--- a/doc/Hackthon_feedkc.pptx
+++ b/doc/Hackthon_feedkc.pptx
@@ -124,6 +124,111 @@
     </p:ext>
   </p:extLst>
 </p:presentation>
+</file>
+
+<file path=ppt/revisionInfo.xml><?xml version="1.0" encoding="utf-8"?>
+<p1510:revInfo xmlns:a="http://schemas.openxmlformats.org/drawingml/2006/main" xmlns:r="http://schemas.openxmlformats.org/officeDocument/2006/relationships" xmlns:p1510="http://schemas.microsoft.com/office/powerpoint/2015/10/main">
+  <p1510:revLst>
+    <p1510:client id="{22E522AE-5C19-4FDE-A0BF-87A9796E4F92}" v="3" dt="2019-11-11T05:05:39.472"/>
+  </p1510:revLst>
+</p1510:revInfo>
+</file>
+
+<file path=ppt/changesInfos/changesInfo1.xml><?xml version="1.0" encoding="utf-8"?>
+<pc:chgInfo xmlns:a="http://schemas.openxmlformats.org/drawingml/2006/main" xmlns:r="http://schemas.openxmlformats.org/officeDocument/2006/relationships" xmlns:ac="http://schemas.microsoft.com/office/drawing/2013/main/command" xmlns:pc="http://schemas.microsoft.com/office/powerpoint/2013/main/command">
+  <pc:docChgLst>
+    <pc:chgData name="pavan kumar chongala" userId="c3c4d3916f273096" providerId="LiveId" clId="{22E522AE-5C19-4FDE-A0BF-87A9796E4F92}"/>
+    <pc:docChg chg="custSel modSld">
+      <pc:chgData name="pavan kumar chongala" userId="c3c4d3916f273096" providerId="LiveId" clId="{22E522AE-5C19-4FDE-A0BF-87A9796E4F92}" dt="2019-11-11T05:05:43.774" v="119" actId="1076"/>
+      <pc:docMkLst>
+        <pc:docMk/>
+      </pc:docMkLst>
+      <pc:sldChg chg="addSp modSp">
+        <pc:chgData name="pavan kumar chongala" userId="c3c4d3916f273096" providerId="LiveId" clId="{22E522AE-5C19-4FDE-A0BF-87A9796E4F92}" dt="2019-11-11T05:05:43.774" v="119" actId="1076"/>
+        <pc:sldMkLst>
+          <pc:docMk/>
+          <pc:sldMk cId="951795415" sldId="256"/>
+        </pc:sldMkLst>
+        <pc:spChg chg="add mod">
+          <ac:chgData name="pavan kumar chongala" userId="c3c4d3916f273096" providerId="LiveId" clId="{22E522AE-5C19-4FDE-A0BF-87A9796E4F92}" dt="2019-11-11T05:05:43.774" v="119" actId="1076"/>
+          <ac:spMkLst>
+            <pc:docMk/>
+            <pc:sldMk cId="951795415" sldId="256"/>
+            <ac:spMk id="4" creationId="{F4D959C9-A519-4139-8AC4-042BE7EBD0F6}"/>
+          </ac:spMkLst>
+        </pc:spChg>
+      </pc:sldChg>
+      <pc:sldChg chg="modSp">
+        <pc:chgData name="pavan kumar chongala" userId="c3c4d3916f273096" providerId="LiveId" clId="{22E522AE-5C19-4FDE-A0BF-87A9796E4F92}" dt="2019-11-11T04:47:04.774" v="60"/>
+        <pc:sldMkLst>
+          <pc:docMk/>
+          <pc:sldMk cId="1785817083" sldId="266"/>
+        </pc:sldMkLst>
+        <pc:spChg chg="mod">
+          <ac:chgData name="pavan kumar chongala" userId="c3c4d3916f273096" providerId="LiveId" clId="{22E522AE-5C19-4FDE-A0BF-87A9796E4F92}" dt="2019-11-11T04:47:04.774" v="60"/>
+          <ac:spMkLst>
+            <pc:docMk/>
+            <pc:sldMk cId="1785817083" sldId="266"/>
+            <ac:spMk id="3" creationId="{F2B8659A-9ACF-2E4D-96FA-083C5EB078B3}"/>
+          </ac:spMkLst>
+        </pc:spChg>
+      </pc:sldChg>
+      <pc:sldChg chg="modSp">
+        <pc:chgData name="pavan kumar chongala" userId="c3c4d3916f273096" providerId="LiveId" clId="{22E522AE-5C19-4FDE-A0BF-87A9796E4F92}" dt="2019-11-11T04:46:36.710" v="56" actId="20577"/>
+        <pc:sldMkLst>
+          <pc:docMk/>
+          <pc:sldMk cId="1884764834" sldId="267"/>
+        </pc:sldMkLst>
+        <pc:spChg chg="mod">
+          <ac:chgData name="pavan kumar chongala" userId="c3c4d3916f273096" providerId="LiveId" clId="{22E522AE-5C19-4FDE-A0BF-87A9796E4F92}" dt="2019-11-11T04:46:36.710" v="56" actId="20577"/>
+          <ac:spMkLst>
+            <pc:docMk/>
+            <pc:sldMk cId="1884764834" sldId="267"/>
+            <ac:spMk id="2" creationId="{91839C7B-DC73-E745-BE23-BE790F29F6AB}"/>
+          </ac:spMkLst>
+        </pc:spChg>
+        <pc:spChg chg="mod">
+          <ac:chgData name="pavan kumar chongala" userId="c3c4d3916f273096" providerId="LiveId" clId="{22E522AE-5C19-4FDE-A0BF-87A9796E4F92}" dt="2019-11-11T04:46:31.141" v="50" actId="255"/>
+          <ac:spMkLst>
+            <pc:docMk/>
+            <pc:sldMk cId="1884764834" sldId="267"/>
+            <ac:spMk id="3" creationId="{68A4BD2D-EBA1-C640-96C3-447502A24BE7}"/>
+          </ac:spMkLst>
+        </pc:spChg>
+      </pc:sldChg>
+      <pc:sldChg chg="modSp">
+        <pc:chgData name="pavan kumar chongala" userId="c3c4d3916f273096" providerId="LiveId" clId="{22E522AE-5C19-4FDE-A0BF-87A9796E4F92}" dt="2019-11-11T04:45:38.342" v="48" actId="20577"/>
+        <pc:sldMkLst>
+          <pc:docMk/>
+          <pc:sldMk cId="1658889084" sldId="268"/>
+        </pc:sldMkLst>
+        <pc:spChg chg="mod">
+          <ac:chgData name="pavan kumar chongala" userId="c3c4d3916f273096" providerId="LiveId" clId="{22E522AE-5C19-4FDE-A0BF-87A9796E4F92}" dt="2019-11-11T04:45:38.342" v="48" actId="20577"/>
+          <ac:spMkLst>
+            <pc:docMk/>
+            <pc:sldMk cId="1658889084" sldId="268"/>
+            <ac:spMk id="3" creationId="{38E36CBA-B7A7-CB45-B9A5-DC10B351BD59}"/>
+          </ac:spMkLst>
+        </pc:spChg>
+      </pc:sldChg>
+      <pc:sldChg chg="modSp">
+        <pc:chgData name="pavan kumar chongala" userId="c3c4d3916f273096" providerId="LiveId" clId="{22E522AE-5C19-4FDE-A0BF-87A9796E4F92}" dt="2019-11-11T05:05:20.365" v="117" actId="20577"/>
+        <pc:sldMkLst>
+          <pc:docMk/>
+          <pc:sldMk cId="740078848" sldId="270"/>
+        </pc:sldMkLst>
+        <pc:spChg chg="mod">
+          <ac:chgData name="pavan kumar chongala" userId="c3c4d3916f273096" providerId="LiveId" clId="{22E522AE-5C19-4FDE-A0BF-87A9796E4F92}" dt="2019-11-11T05:05:20.365" v="117" actId="20577"/>
+          <ac:spMkLst>
+            <pc:docMk/>
+            <pc:sldMk cId="740078848" sldId="270"/>
+            <ac:spMk id="3" creationId="{457047F7-8314-F143-9D3E-EE2DBB507C0A}"/>
+          </ac:spMkLst>
+        </pc:spChg>
+      </pc:sldChg>
+    </pc:docChg>
+  </pc:docChgLst>
+</pc:chgInfo>
 </file>
 
 <file path=ppt/diagrams/colors1.xml><?xml version="1.0" encoding="utf-8"?>
@@ -10159,6 +10264,72 @@
           </a:fontRef>
         </p:style>
       </p:sp>
+      <p:sp>
+        <p:nvSpPr>
+          <p:cNvPr id="4" name="Rectangle 3">
+            <a:extLst>
+              <a:ext uri="{FF2B5EF4-FFF2-40B4-BE49-F238E27FC236}">
+                <a16:creationId xmlns:a16="http://schemas.microsoft.com/office/drawing/2014/main" id="{F4D959C9-A519-4139-8AC4-042BE7EBD0F6}"/>
+              </a:ext>
+            </a:extLst>
+          </p:cNvPr>
+          <p:cNvSpPr/>
+          <p:nvPr/>
+        </p:nvSpPr>
+        <p:spPr>
+          <a:xfrm>
+            <a:off x="1100051" y="4928458"/>
+            <a:ext cx="6096000" cy="923330"/>
+          </a:xfrm>
+          <a:prstGeom prst="rect">
+            <a:avLst/>
+          </a:prstGeom>
+        </p:spPr>
+        <p:txBody>
+          <a:bodyPr>
+            <a:spAutoFit/>
+          </a:bodyPr>
+          <a:lstStyle/>
+          <a:p>
+            <a:r>
+              <a:rPr lang="en-US" dirty="0"/>
+              <a:t>Pavan kumar Chongala   16273361</a:t>
+            </a:r>
+          </a:p>
+          <a:p>
+            <a:r>
+              <a:rPr lang="en-US" dirty="0" err="1"/>
+              <a:t>Saivarun</a:t>
+            </a:r>
+            <a:r>
+              <a:rPr lang="en-US" dirty="0"/>
+              <a:t> </a:t>
+            </a:r>
+            <a:r>
+              <a:rPr lang="en-US" dirty="0" err="1"/>
+              <a:t>Gadewara</a:t>
+            </a:r>
+            <a:r>
+              <a:rPr lang="en-US" dirty="0"/>
+              <a:t>         16273545</a:t>
+            </a:r>
+          </a:p>
+          <a:p>
+            <a:r>
+              <a:rPr lang="en-US" dirty="0"/>
+              <a:t>Manohar </a:t>
+            </a:r>
+            <a:r>
+              <a:rPr lang="en-US" dirty="0" err="1"/>
+              <a:t>bollampally</a:t>
+            </a:r>
+            <a:r>
+              <a:rPr lang="en-US" dirty="0"/>
+              <a:t>      16261464</a:t>
+            </a:r>
+          </a:p>
+        </p:txBody>
+      </p:sp>
     </p:spTree>
     <p:extLst>
       <p:ext uri="{BB962C8B-B14F-4D97-AF65-F5344CB8AC3E}">
@@ -10400,7 +10571,7 @@
               </a:spcAft>
             </a:pPr>
             <a:r>
-              <a:rPr lang="en-US" sz="1500">
+              <a:rPr lang="en-US" sz="1500" dirty="0">
                 <a:solidFill>
                   <a:srgbClr val="FFFFFF"/>
                 </a:solidFill>
@@ -10408,9 +10579,9 @@
                 <a:ea typeface="Times New Roman" panose="02020603050405020304" pitchFamily="18" charset="0"/>
                 <a:cs typeface="Times New Roman" panose="02020603050405020304" pitchFamily="18" charset="0"/>
               </a:rPr>
-              <a:t>Search button is used for search the FOOD DONORS FROM DIFFERENT LOCATIONS</a:t>
+              <a:t>Search button is used for search the FOOD DONORS from different LOCATIONS</a:t>
             </a:r>
-            <a:endParaRPr lang="en-US" sz="1500">
+            <a:endParaRPr lang="en-US" sz="1500" dirty="0">
               <a:solidFill>
                 <a:srgbClr val="FFFFFF"/>
               </a:solidFill>
@@ -10429,7 +10600,7 @@
               </a:spcAft>
             </a:pPr>
             <a:r>
-              <a:rPr lang="en-US" sz="1500">
+              <a:rPr lang="en-US" sz="1500" dirty="0">
                 <a:solidFill>
                   <a:srgbClr val="FFFFFF"/>
                 </a:solidFill>
@@ -10452,7 +10623,7 @@
               <a:buChar char="Ø"/>
             </a:pPr>
             <a:r>
-              <a:rPr lang="en-US" sz="1500">
+              <a:rPr lang="en-US" sz="1500" dirty="0">
                 <a:solidFill>
                   <a:srgbClr val="FFFFFF"/>
                 </a:solidFill>
@@ -10475,7 +10646,7 @@
               <a:buChar char="Ø"/>
             </a:pPr>
             <a:r>
-              <a:rPr lang="en-US" sz="1500">
+              <a:rPr lang="en-US" sz="1500" dirty="0">
                 <a:solidFill>
                   <a:srgbClr val="FFFFFF"/>
                 </a:solidFill>
@@ -10498,7 +10669,7 @@
               <a:buChar char="Ø"/>
             </a:pPr>
             <a:r>
-              <a:rPr lang="en-US" sz="1500">
+              <a:rPr lang="en-US" sz="1500" dirty="0">
                 <a:solidFill>
                   <a:srgbClr val="FFFFFF"/>
                 </a:solidFill>
@@ -10521,7 +10692,7 @@
               <a:buChar char="Ø"/>
             </a:pPr>
             <a:r>
-              <a:rPr lang="en-US" sz="1500">
+              <a:rPr lang="en-US" sz="1500" dirty="0">
                 <a:solidFill>
                   <a:srgbClr val="FFFFFF"/>
                 </a:solidFill>
@@ -10531,7 +10702,30 @@
               </a:rPr>
               <a:t>WEST KANSAS</a:t>
             </a:r>
-            <a:endParaRPr lang="en-US" sz="1500">
+          </a:p>
+          <a:p>
+            <a:pPr marL="114300" marR="0" indent="-342900">
+              <a:spcBef>
+                <a:spcPts val="0"/>
+              </a:spcBef>
+              <a:spcAft>
+                <a:spcPts val="1000"/>
+              </a:spcAft>
+              <a:buFont typeface="Wingdings" pitchFamily="2" charset="2"/>
+              <a:buChar char="Ø"/>
+            </a:pPr>
+            <a:r>
+              <a:rPr lang="en-US" sz="1500" dirty="0">
+                <a:solidFill>
+                  <a:srgbClr val="FFFFFF"/>
+                </a:solidFill>
+                <a:latin typeface="Times New Roman" panose="02020603050405020304" pitchFamily="18" charset="0"/>
+                <a:ea typeface="Times New Roman" panose="02020603050405020304" pitchFamily="18" charset="0"/>
+                <a:cs typeface="Times New Roman" panose="02020603050405020304" pitchFamily="18" charset="0"/>
+              </a:rPr>
+              <a:t>CENTRAL KANSAS</a:t>
+            </a:r>
+            <a:endParaRPr lang="en-US" sz="1500" dirty="0">
               <a:solidFill>
                 <a:srgbClr val="FFFFFF"/>
               </a:solidFill>
@@ -10541,7 +10735,7 @@
             </a:endParaRPr>
           </a:p>
           <a:p>
-            <a:endParaRPr lang="en-US" sz="1500">
+            <a:endParaRPr lang="en-US" sz="1500" dirty="0">
               <a:solidFill>
                 <a:srgbClr val="FFFFFF"/>
               </a:solidFill>
@@ -10868,7 +11062,7 @@
               </a:spcAft>
             </a:pPr>
             <a:r>
-              <a:rPr lang="en-US" sz="1500">
+              <a:rPr lang="en-US" sz="1500" dirty="0">
                 <a:solidFill>
                   <a:srgbClr val="FFFFFF"/>
                 </a:solidFill>
@@ -10878,7 +11072,7 @@
               </a:rPr>
               <a:t>In contact page any one who wants to gaining a information about this system then he/she can contact with us.</a:t>
             </a:r>
-            <a:endParaRPr lang="en-US" sz="1500">
+            <a:endParaRPr lang="en-US" sz="1500" dirty="0">
               <a:solidFill>
                 <a:srgbClr val="FFFFFF"/>
               </a:solidFill>
@@ -10888,7 +11082,7 @@
             </a:endParaRPr>
           </a:p>
           <a:p>
-            <a:endParaRPr lang="en-US" sz="1500">
+            <a:endParaRPr lang="en-US" sz="1500" dirty="0">
               <a:solidFill>
                 <a:srgbClr val="FFFFFF"/>
               </a:solidFill>
@@ -14136,7 +14330,7 @@
           <a:lstStyle/>
           <a:p>
             <a:r>
-              <a:rPr lang="en-US" sz="3600" b="1">
+              <a:rPr lang="en-US" sz="3600" b="1" dirty="0">
                 <a:solidFill>
                   <a:srgbClr val="FFFFFF"/>
                 </a:solidFill>
@@ -14147,7 +14341,7 @@
               <a:t>Registration</a:t>
             </a:r>
             <a:r>
-              <a:rPr lang="en-US" sz="3600" b="1">
+              <a:rPr lang="en-US" sz="3600" b="1" dirty="0">
                 <a:solidFill>
                   <a:srgbClr val="FFFFFF"/>
                 </a:solidFill>
@@ -14157,7 +14351,7 @@
               </a:rPr>
               <a:t> </a:t>
             </a:r>
-            <a:endParaRPr lang="en-US" sz="3600">
+            <a:endParaRPr lang="en-US" sz="3600" dirty="0">
               <a:solidFill>
                 <a:srgbClr val="FFFFFF"/>
               </a:solidFill>
@@ -14193,25 +14387,32 @@
           </a:bodyPr>
           <a:lstStyle/>
           <a:p>
-            <a:pPr marL="0" marR="0" indent="0">
+            <a:pPr marL="0">
               <a:spcBef>
                 <a:spcPts val="0"/>
               </a:spcBef>
               <a:spcAft>
                 <a:spcPts val="0"/>
               </a:spcAft>
-              <a:buNone/>
             </a:pPr>
             <a:r>
-              <a:rPr lang="en-US" sz="1500">
+              <a:rPr lang="en-US" sz="1600" dirty="0">
                 <a:solidFill>
-                  <a:srgbClr val="FFFFFF"/>
+                  <a:schemeClr val="bg1"/>
+                </a:solidFill>
+              </a:rPr>
+              <a:t>Registration page includes the information of the donor who want to register. Donor can register the account by clicking on new register. He/she can add the account for the further enquiry of the food donation</a:t>
+            </a:r>
+            <a:r>
+              <a:rPr lang="en-US" sz="1200" dirty="0">
+                <a:solidFill>
+                  <a:schemeClr val="bg1"/>
                 </a:solidFill>
                 <a:latin typeface="Times New Roman" panose="02020603050405020304" pitchFamily="18" charset="0"/>
                 <a:ea typeface="Times New Roman" panose="02020603050405020304" pitchFamily="18" charset="0"/>
                 <a:cs typeface="Times New Roman" panose="02020603050405020304" pitchFamily="18" charset="0"/>
               </a:rPr>
-              <a:t>ANYONE CAN MAKE THE REQUEST FOR THE FOOD SO THAT IT WILL APPEAR IN THE HOME PAGE.</a:t>
+              <a:t>.</a:t>
             </a:r>
           </a:p>
           <a:p>
@@ -14223,20 +14424,13 @@
                 <a:spcPts val="0"/>
               </a:spcAft>
             </a:pPr>
-            <a:endParaRPr lang="en-US" sz="1500">
+            <a:endParaRPr lang="en-US" sz="1500" dirty="0">
               <a:solidFill>
                 <a:srgbClr val="FFFFFF"/>
               </a:solidFill>
               <a:latin typeface="Calibri" panose="020F0502020204030204" pitchFamily="34" charset="0"/>
               <a:ea typeface="Times New Roman" panose="02020603050405020304" pitchFamily="18" charset="0"/>
               <a:cs typeface="Times New Roman" panose="02020603050405020304" pitchFamily="18" charset="0"/>
-            </a:endParaRPr>
-          </a:p>
-          <a:p>
-            <a:endParaRPr lang="en-US" sz="1500">
-              <a:solidFill>
-                <a:srgbClr val="FFFFFF"/>
-              </a:solidFill>
             </a:endParaRPr>
           </a:p>
         </p:txBody>
@@ -14507,14 +14701,14 @@
           <a:lstStyle/>
           <a:p>
             <a:r>
-              <a:rPr lang="en-US" sz="3600" b="1">
+              <a:rPr lang="en-US" sz="3600" b="1" dirty="0">
                 <a:solidFill>
                   <a:srgbClr val="FFFFFF"/>
                 </a:solidFill>
               </a:rPr>
-              <a:t>Request For FOOD</a:t>
+              <a:t>Request For Food</a:t>
             </a:r>
-            <a:endParaRPr lang="en-US" sz="3600">
+            <a:endParaRPr lang="en-US" sz="3600" dirty="0">
               <a:solidFill>
                 <a:srgbClr val="FFFFFF"/>
               </a:solidFill>
@@ -14550,36 +14744,20 @@
           </a:bodyPr>
           <a:lstStyle/>
           <a:p>
-            <a:pPr marL="0" marR="0">
-              <a:spcBef>
-                <a:spcPts val="0"/>
-              </a:spcBef>
-              <a:spcAft>
-                <a:spcPts val="0"/>
-              </a:spcAft>
-            </a:pPr>
             <a:r>
-              <a:rPr lang="en-US" sz="1500">
+              <a:rPr lang="en-US" sz="2400" dirty="0">
                 <a:solidFill>
                   <a:srgbClr val="FFFFFF"/>
                 </a:solidFill>
-                <a:latin typeface="Times New Roman" panose="02020603050405020304" pitchFamily="18" charset="0"/>
-                <a:ea typeface="Times New Roman" panose="02020603050405020304" pitchFamily="18" charset="0"/>
-                <a:cs typeface="Times New Roman" panose="02020603050405020304" pitchFamily="18" charset="0"/>
+                <a:latin typeface="Ayuthaya" pitchFamily="2" charset="-34"/>
+                <a:ea typeface="Ayuthaya" pitchFamily="2" charset="-34"/>
+                <a:cs typeface="Ayuthaya" pitchFamily="2" charset="-34"/>
               </a:rPr>
-              <a:t>Request for FOOD page includes the information of the donor  who want to register. Donor can register the account by clicking on new register. He/she can send requests for the further enquiry of the blood donation.</a:t>
+              <a:t>Anyone can request for food donation so that it will appear on view request page and to other donors</a:t>
             </a:r>
-            <a:endParaRPr lang="en-US" sz="1500">
-              <a:solidFill>
-                <a:srgbClr val="FFFFFF"/>
-              </a:solidFill>
-              <a:latin typeface="Calibri" panose="020F0502020204030204" pitchFamily="34" charset="0"/>
-              <a:ea typeface="Times New Roman" panose="02020603050405020304" pitchFamily="18" charset="0"/>
-              <a:cs typeface="Times New Roman" panose="02020603050405020304" pitchFamily="18" charset="0"/>
-            </a:endParaRPr>
-          </a:p>
-          <a:p>
-            <a:endParaRPr lang="en-US" sz="1500">
+          </a:p>
+          <a:p>
+            <a:endParaRPr lang="en-US" sz="1500" dirty="0">
               <a:solidFill>
                 <a:srgbClr val="FFFFFF"/>
               </a:solidFill>
@@ -14904,7 +15082,7 @@
               <a:buNone/>
             </a:pPr>
             <a:r>
-              <a:rPr lang="en-US" sz="1500">
+              <a:rPr lang="en-US" sz="1500" dirty="0">
                 <a:solidFill>
                   <a:srgbClr val="FFFFFF"/>
                 </a:solidFill>
@@ -14912,9 +15090,9 @@
                 <a:ea typeface="Times New Roman" panose="02020603050405020304" pitchFamily="18" charset="0"/>
                 <a:cs typeface="Times New Roman" panose="02020603050405020304" pitchFamily="18" charset="0"/>
               </a:rPr>
-              <a:t>Camp  page includes the information about camps, this camps organized the FOOD donation camp. Donor can register the account by clicking on new register. </a:t>
+              <a:t>Camp  page includes the information about camps, this camps organized the FOOD donation camp. Shows different Food camps near the location</a:t>
             </a:r>
-            <a:endParaRPr lang="en-US" sz="1500">
+            <a:endParaRPr lang="en-US" sz="1500" dirty="0">
               <a:solidFill>
                 <a:srgbClr val="FFFFFF"/>
               </a:solidFill>
@@ -15251,7 +15429,7 @@
               </a:spcAft>
             </a:pPr>
             <a:r>
-              <a:rPr lang="en-US" sz="1500">
+              <a:rPr lang="en-US" sz="1500" dirty="0">
                 <a:solidFill>
                   <a:srgbClr val="FFFFFF"/>
                 </a:solidFill>
@@ -15271,7 +15449,7 @@
                 <a:spcPts val="1000"/>
               </a:spcAft>
             </a:pPr>
-            <a:endParaRPr lang="en-US" sz="1500">
+            <a:endParaRPr lang="en-US" sz="1500" dirty="0">
               <a:solidFill>
                 <a:srgbClr val="FFFFFF"/>
               </a:solidFill>
